--- a/Documents/스택.pptx
+++ b/Documents/스택.pptx
@@ -8603,7 +8603,7 @@
                 <a:pPr algn="ctr"/>
                 <a:r>
                   <a:rPr lang="en-US" altLang="ko-KR" dirty="0"/>
-                  <a:t>(0,1)</a:t>
+                  <a:t>(1,0)</a:t>
                 </a:r>
                 <a:endParaRPr lang="ko-KR" altLang="en-US" dirty="0"/>
               </a:p>
@@ -8653,8 +8653,8 @@
             <a:p>
               <a:pPr algn="ctr"/>
               <a:r>
-                <a:rPr lang="en-US" altLang="ko-KR" dirty="0"/>
-                <a:t>(0,1)</a:t>
+                <a:rPr lang="en-US" altLang="ko-KR"/>
+                <a:t>(1,0)</a:t>
               </a:r>
               <a:endParaRPr lang="ko-KR" altLang="en-US" dirty="0"/>
             </a:p>
